--- a/PP Leef en Lies 16 mei.pptx
+++ b/PP Leef en Lies 16 mei.pptx
@@ -6574,13 +6574,8 @@
           <a:p>
             <a:r>
               <a:rPr lang="nl-NL" dirty="0"/>
-              <a:t>Random is goed ter vergelijking met andere algoritmes!! </a:t>
-            </a:r>
-            <a:r>
-              <a:rPr lang="nl-NL"/>
-              <a:t>Vergelijk resultaten!</a:t>
-            </a:r>
-            <a:endParaRPr lang="nl-NL" dirty="0"/>
+              <a:t>Random is goed ter vergelijking met andere algoritmes!! Vergelijk resultaten!</a:t>
+            </a:r>
           </a:p>
         </p:txBody>
       </p:sp>
@@ -7481,7 +7476,7 @@
           <a:p>
             <a:r>
               <a:rPr lang="nl-NL" sz="2800" dirty="0"/>
-              <a:t>Nieuwe huiswaarde = (((oude huisprijs + prijsverbetering) * kortste afstand) – minimale </a:t>
+              <a:t>Nieuwe huiswaarde = (((oude huisprijs + (prijsverbetering * (kortste afstand – minimale </a:t>
             </a:r>
             <a:r>
               <a:rPr lang="nl-NL" sz="2800" dirty="0" err="1"/>
@@ -7489,7 +7484,7 @@
             </a:r>
             <a:r>
               <a:rPr lang="nl-NL" sz="2800" dirty="0"/>
-              <a:t>)</a:t>
+              <a:t>))</a:t>
             </a:r>
           </a:p>
           <a:p>
